--- a/區塊鏈─智能合約實作.pptx
+++ b/區塊鏈─智能合約實作.pptx
@@ -25,6 +25,9 @@
     <p:sldId id="273" r:id="rId19"/>
     <p:sldId id="274" r:id="rId20"/>
     <p:sldId id="269" r:id="rId21"/>
+    <p:sldId id="276" r:id="rId22"/>
+    <p:sldId id="277" r:id="rId23"/>
+    <p:sldId id="278" r:id="rId24"/>
   </p:sldIdLst>
   <p:sldSz cx="12192000" cy="6858000"/>
   <p:notesSz cx="6858000" cy="9144000"/>
@@ -14869,7 +14872,15 @@
             </a:pPr>
             <a:r>
               <a:rPr lang="en-US" altLang="zh-TW" sz="2100" dirty="0"/>
-              <a:t>pragma solidity ^0.4.25;  //</a:t>
+              <a:t>pragma solidity ^0.8.7; </a:t>
+            </a:r>
+            <a:r>
+              <a:rPr lang="zh-TW" altLang="en-US" sz="2100" dirty="0"/>
+              <a:t>或 </a:t>
+            </a:r>
+            <a:r>
+              <a:rPr lang="en-US" altLang="zh-TW" sz="2100" dirty="0"/>
+              <a:t>pragma solidity &gt;=0.4.22 &lt;0.9.0 //</a:t>
             </a:r>
             <a:r>
               <a:rPr lang="zh-TW" altLang="en-US" sz="2100" dirty="0"/>
@@ -15025,6 +15036,19 @@
               <a:rPr lang="en-US" altLang="zh-TW" sz="2100" dirty="0"/>
               <a:t>) {</a:t>
             </a:r>
+            <a:r>
+              <a:rPr lang="zh-TW" altLang="en-US" sz="2100" dirty="0"/>
+              <a:t>  </a:t>
+            </a:r>
+            <a:r>
+              <a:rPr lang="en-US" altLang="zh-TW" sz="2100" dirty="0"/>
+              <a:t>//</a:t>
+            </a:r>
+            <a:r>
+              <a:rPr lang="zh-TW" altLang="en-US" sz="2100" dirty="0"/>
+              <a:t>函式</a:t>
+            </a:r>
+            <a:endParaRPr lang="en-US" altLang="zh-TW" sz="2100" dirty="0"/>
           </a:p>
           <a:p>
             <a:pPr marL="0" indent="0">
@@ -16939,6 +16963,10 @@
           </a:p>
           <a:p>
             <a:r>
+              <a:rPr lang="zh-TW" altLang="en-US" sz="2400" dirty="0"/>
+              <a:t>私有網路：</a:t>
+            </a:r>
+            <a:r>
               <a:rPr lang="en-US" altLang="zh-TW" sz="2400" dirty="0"/>
               <a:t>Ganache</a:t>
             </a:r>
@@ -16967,7 +16995,7 @@
             </a:r>
             <a:r>
               <a:rPr lang="zh-TW" altLang="en-US" sz="2000" dirty="0"/>
-              <a:t>服務地址是</a:t>
+              <a:t>服務地址是 </a:t>
             </a:r>
             <a:r>
               <a:rPr lang="en-US" altLang="zh-TW" sz="2000" dirty="0">
@@ -17022,7 +17050,7 @@
             </a:r>
             <a:r>
               <a:rPr lang="zh-TW" altLang="en-US" sz="1900" dirty="0"/>
-              <a:t>啟動一個新的私有乙太坊區塊鏈</a:t>
+              <a:t>啟動一個乙太坊私有鏈</a:t>
             </a:r>
             <a:endParaRPr lang="zh-TW" altLang="en-US" dirty="0"/>
           </a:p>
@@ -17491,11 +17519,7 @@
             </a:pPr>
             <a:r>
               <a:rPr lang="zh-TW" altLang="en-US" sz="2400" dirty="0"/>
-              <a:t>範例：使用虛擬貨幣領養狗狗的</a:t>
-            </a:r>
-            <a:r>
-              <a:rPr lang="en-US" altLang="zh-TW" sz="2400" dirty="0" err="1"/>
-              <a:t>DApp</a:t>
+              <a:t>範例：使用虛擬貨幣領養狗狗</a:t>
             </a:r>
             <a:endParaRPr lang="en-US" altLang="zh-TW" sz="2400" dirty="0"/>
           </a:p>
@@ -17506,7 +17530,7 @@
             </a:r>
             <a:r>
               <a:rPr lang="en-US" altLang="zh-TW" sz="2400" dirty="0"/>
-              <a:t>pet</a:t>
+              <a:t>pet-shop</a:t>
             </a:r>
             <a:r>
               <a:rPr lang="zh-TW" altLang="en-US" sz="2400" dirty="0"/>
@@ -17534,7 +17558,7 @@
             <a:pPr lvl="1"/>
             <a:r>
               <a:rPr lang="en-US" altLang="zh-TW" sz="2000" dirty="0"/>
-              <a:t>$pet &gt; truffle unbox pet-shop</a:t>
+              <a:t>$pet-shop &gt; truffle unbox pet-shop</a:t>
             </a:r>
           </a:p>
           <a:p>
@@ -17552,7 +17576,7 @@
             </a:r>
             <a:r>
               <a:rPr lang="en-US" altLang="zh-TW" sz="2400" dirty="0"/>
-              <a:t>$pet &gt; code .</a:t>
+              <a:t>$pet-shop &gt; code .</a:t>
             </a:r>
           </a:p>
           <a:p>
@@ -17585,7 +17609,7 @@
             </a:r>
             <a:r>
               <a:rPr lang="en-US" altLang="zh-TW" sz="2400" dirty="0"/>
-              <a:t>pet &gt; truffle compile</a:t>
+              <a:t>$pet-shop &gt; truffle compile</a:t>
             </a:r>
             <a:endParaRPr lang="zh-TW" altLang="en-US" sz="2400" dirty="0"/>
           </a:p>
@@ -17600,7 +17624,7 @@
             </a:r>
             <a:r>
               <a:rPr lang="zh-TW" altLang="en-US" sz="2400" dirty="0"/>
-              <a:t>目錄新增遷移檔案</a:t>
+              <a:t>目錄新增遷移檔案 </a:t>
             </a:r>
             <a:r>
               <a:rPr lang="en-US" altLang="zh-TW" sz="2400" dirty="0"/>
@@ -17614,25 +17638,17 @@
             </a:r>
             <a:r>
               <a:rPr lang="en-US" altLang="zh-TW" sz="2400" dirty="0"/>
-              <a:t>$pet &gt; truffle migrate</a:t>
+              <a:t>$ pet-shop &gt; truffle migrate</a:t>
             </a:r>
           </a:p>
           <a:p>
             <a:r>
               <a:rPr lang="zh-TW" altLang="en-US" sz="2400" dirty="0"/>
-              <a:t>執行</a:t>
-            </a:r>
-            <a:r>
-              <a:rPr lang="en-US" altLang="zh-TW" sz="2400" dirty="0" err="1"/>
-              <a:t>DApp</a:t>
-            </a:r>
-            <a:r>
-              <a:rPr lang="zh-TW" altLang="en-US" sz="2400" dirty="0"/>
-              <a:t>：</a:t>
+              <a:t>執行合約：</a:t>
             </a:r>
             <a:r>
               <a:rPr lang="en-US" altLang="zh-TW" sz="2400" dirty="0"/>
-              <a:t>$pet.&gt; </a:t>
+              <a:t>$ pet-shop &gt; </a:t>
             </a:r>
             <a:r>
               <a:rPr lang="en-US" altLang="zh-TW" sz="2400" dirty="0" err="1"/>
@@ -18166,6 +18182,10 @@
               <a:rPr lang="zh-TW" altLang="zh-TW" dirty="0"/>
               <a:t>框架建立智能合約</a:t>
             </a:r>
+            <a:r>
+              <a:rPr lang="en-US" altLang="zh-TW" dirty="0"/>
+              <a:t>(1)</a:t>
+            </a:r>
             <a:endParaRPr lang="zh-TW" altLang="en-US" dirty="0"/>
           </a:p>
         </p:txBody>
@@ -18186,21 +18206,293 @@
             <p:ph idx="1"/>
           </p:nvPr>
         </p:nvSpPr>
-        <p:spPr/>
+        <p:spPr>
+          <a:xfrm>
+            <a:off x="1103312" y="1323976"/>
+            <a:ext cx="10326688" cy="5305424"/>
+          </a:xfrm>
+        </p:spPr>
         <p:txBody>
-          <a:bodyPr/>
+          <a:bodyPr>
+            <a:normAutofit fontScale="92500" lnSpcReduction="10000"/>
+          </a:bodyPr>
           <a:lstStyle/>
           <a:p>
+            <a:pPr marL="0" indent="0">
+              <a:buNone/>
+            </a:pPr>
             <a:r>
               <a:rPr lang="zh-TW" altLang="en-US" dirty="0"/>
-              <a:t>範例：代幣合約，可以創造代幣，並轉移代幣</a:t>
+              <a:t>範例：代幣合約，可以創造代幣、轉移代幣</a:t>
             </a:r>
             <a:endParaRPr lang="en-US" altLang="zh-TW" dirty="0"/>
           </a:p>
           <a:p>
+            <a:r>
+              <a:rPr lang="zh-TW" altLang="en-US" dirty="0"/>
+              <a:t>建立專案資料夾 </a:t>
+            </a:r>
+            <a:r>
+              <a:rPr lang="en-US" altLang="zh-TW" dirty="0" err="1"/>
+              <a:t>MyToken</a:t>
+            </a:r>
             <a:endParaRPr lang="en-US" altLang="zh-TW" dirty="0"/>
           </a:p>
           <a:p>
+            <a:r>
+              <a:rPr lang="zh-TW" altLang="en-US" dirty="0"/>
+              <a:t>初始化專案：</a:t>
+            </a:r>
+            <a:endParaRPr lang="en-US" altLang="zh-TW" dirty="0"/>
+          </a:p>
+          <a:p>
+            <a:pPr lvl="1"/>
+            <a:r>
+              <a:rPr lang="en-US" altLang="zh-TW" dirty="0"/>
+              <a:t>$</a:t>
+            </a:r>
+            <a:r>
+              <a:rPr lang="en-US" altLang="zh-TW" dirty="0" err="1"/>
+              <a:t>MyToken</a:t>
+            </a:r>
+            <a:r>
+              <a:rPr lang="en-US" altLang="zh-TW" dirty="0"/>
+              <a:t> &gt; truffle </a:t>
+            </a:r>
+            <a:r>
+              <a:rPr lang="en-US" altLang="zh-TW" dirty="0" err="1"/>
+              <a:t>init</a:t>
+            </a:r>
+            <a:endParaRPr lang="en-US" altLang="zh-TW" dirty="0"/>
+          </a:p>
+          <a:p>
+            <a:pPr lvl="1"/>
+            <a:r>
+              <a:rPr lang="en-US" altLang="zh-TW" dirty="0"/>
+              <a:t>$</a:t>
+            </a:r>
+            <a:r>
+              <a:rPr lang="en-US" altLang="zh-TW" dirty="0" err="1"/>
+              <a:t>MyToken</a:t>
+            </a:r>
+            <a:r>
+              <a:rPr lang="en-US" altLang="zh-TW" dirty="0"/>
+              <a:t> &gt; </a:t>
+            </a:r>
+            <a:r>
+              <a:rPr lang="en-US" altLang="zh-TW" dirty="0" err="1"/>
+              <a:t>npm</a:t>
+            </a:r>
+            <a:r>
+              <a:rPr lang="en-US" altLang="zh-TW" dirty="0"/>
+              <a:t> </a:t>
+            </a:r>
+            <a:r>
+              <a:rPr lang="en-US" altLang="zh-TW" dirty="0" err="1"/>
+              <a:t>init</a:t>
+            </a:r>
+            <a:r>
+              <a:rPr lang="en-US" altLang="zh-TW" dirty="0"/>
+              <a:t> -y   </a:t>
+            </a:r>
+            <a:r>
+              <a:rPr lang="zh-TW" altLang="en-US" dirty="0"/>
+              <a:t>產生</a:t>
+            </a:r>
+            <a:r>
+              <a:rPr lang="en-US" altLang="zh-TW" dirty="0" err="1"/>
+              <a:t>Packgae.json</a:t>
+            </a:r>
+            <a:r>
+              <a:rPr lang="zh-TW" altLang="en-US" dirty="0"/>
+              <a:t>檔</a:t>
+            </a:r>
+            <a:endParaRPr lang="en-US" altLang="zh-TW" dirty="0"/>
+          </a:p>
+          <a:p>
+            <a:r>
+              <a:rPr lang="zh-TW" altLang="en-US" dirty="0"/>
+              <a:t>開啟</a:t>
+            </a:r>
+            <a:r>
+              <a:rPr lang="en-US" altLang="zh-TW" dirty="0"/>
+              <a:t>Visual Studio Code</a:t>
+            </a:r>
+            <a:r>
+              <a:rPr lang="zh-TW" altLang="en-US" dirty="0"/>
+              <a:t>編輯器：</a:t>
+            </a:r>
+            <a:r>
+              <a:rPr lang="en-US" altLang="zh-TW" dirty="0"/>
+              <a:t> $</a:t>
+            </a:r>
+            <a:r>
+              <a:rPr lang="en-US" altLang="zh-TW" dirty="0" err="1"/>
+              <a:t>MyToken</a:t>
+            </a:r>
+            <a:r>
+              <a:rPr lang="en-US" altLang="zh-TW" dirty="0"/>
+              <a:t> &gt; code .</a:t>
+            </a:r>
+          </a:p>
+          <a:p>
+            <a:r>
+              <a:rPr lang="zh-TW" altLang="en-US" dirty="0"/>
+              <a:t>編寫智能合約：在</a:t>
+            </a:r>
+            <a:r>
+              <a:rPr lang="en-US" altLang="zh-TW" dirty="0" err="1"/>
+              <a:t>constracts</a:t>
+            </a:r>
+            <a:r>
+              <a:rPr lang="zh-TW" altLang="en-US" dirty="0"/>
+              <a:t>目錄新增 </a:t>
+            </a:r>
+            <a:r>
+              <a:rPr lang="en-US" altLang="zh-TW" dirty="0" err="1"/>
+              <a:t>MyToken.sol</a:t>
+            </a:r>
+            <a:r>
+              <a:rPr lang="zh-TW" altLang="en-US" dirty="0"/>
+              <a:t>檔</a:t>
+            </a:r>
+            <a:endParaRPr lang="en-US" altLang="zh-TW" dirty="0"/>
+          </a:p>
+          <a:p>
+            <a:r>
+              <a:rPr lang="zh-TW" altLang="en-US" dirty="0"/>
+              <a:t>編譯合約： </a:t>
+            </a:r>
+            <a:r>
+              <a:rPr lang="en-US" altLang="zh-TW" dirty="0"/>
+              <a:t>$</a:t>
+            </a:r>
+            <a:r>
+              <a:rPr lang="en-US" altLang="zh-TW" dirty="0" err="1"/>
+              <a:t>MyToken</a:t>
+            </a:r>
+            <a:r>
+              <a:rPr lang="en-US" altLang="zh-TW" dirty="0"/>
+              <a:t> &gt; truffle compile</a:t>
+            </a:r>
+            <a:endParaRPr lang="zh-TW" altLang="en-US" dirty="0"/>
+          </a:p>
+          <a:p>
+            <a:r>
+              <a:rPr lang="zh-TW" altLang="en-US" dirty="0"/>
+              <a:t>在</a:t>
+            </a:r>
+            <a:r>
+              <a:rPr lang="en-US" altLang="zh-TW" dirty="0"/>
+              <a:t>migrations</a:t>
+            </a:r>
+            <a:r>
+              <a:rPr lang="zh-TW" altLang="en-US" dirty="0"/>
+              <a:t>目錄新增遷移檔案</a:t>
+            </a:r>
+            <a:r>
+              <a:rPr lang="en-US" altLang="zh-TW" dirty="0"/>
+              <a:t>(</a:t>
+            </a:r>
+            <a:r>
+              <a:rPr lang="zh-TW" altLang="en-US" dirty="0"/>
+              <a:t>合約部署腳本</a:t>
+            </a:r>
+            <a:r>
+              <a:rPr lang="en-US" altLang="zh-TW" dirty="0"/>
+              <a:t>)</a:t>
+            </a:r>
+            <a:r>
+              <a:rPr lang="zh-TW" altLang="en-US" dirty="0"/>
+              <a:t> </a:t>
+            </a:r>
+            <a:r>
+              <a:rPr lang="en-US" altLang="zh-TW" dirty="0"/>
+              <a:t>2_deploy_contracts.js</a:t>
+            </a:r>
+          </a:p>
+          <a:p>
+            <a:pPr marL="0" indent="0">
+              <a:buNone/>
+            </a:pPr>
+            <a:r>
+              <a:rPr lang="en-US" altLang="zh-TW" dirty="0"/>
+              <a:t>const </a:t>
+            </a:r>
+            <a:r>
+              <a:rPr lang="en-US" altLang="zh-TW" dirty="0" err="1"/>
+              <a:t>MyToken</a:t>
+            </a:r>
+            <a:r>
+              <a:rPr lang="en-US" altLang="zh-TW" dirty="0"/>
+              <a:t> = </a:t>
+            </a:r>
+            <a:r>
+              <a:rPr lang="en-US" altLang="zh-TW" dirty="0" err="1"/>
+              <a:t>artifacts.require</a:t>
+            </a:r>
+            <a:r>
+              <a:rPr lang="en-US" altLang="zh-TW" dirty="0"/>
+              <a:t>("</a:t>
+            </a:r>
+            <a:r>
+              <a:rPr lang="en-US" altLang="zh-TW" dirty="0" err="1"/>
+              <a:t>MyToken</a:t>
+            </a:r>
+            <a:r>
+              <a:rPr lang="en-US" altLang="zh-TW" dirty="0"/>
+              <a:t>");</a:t>
+            </a:r>
+            <a:endParaRPr lang="zh-TW" altLang="zh-TW" dirty="0"/>
+          </a:p>
+          <a:p>
+            <a:pPr marL="0" indent="0">
+              <a:buNone/>
+            </a:pPr>
+            <a:r>
+              <a:rPr lang="en-US" altLang="zh-TW" dirty="0" err="1"/>
+              <a:t>module.exports</a:t>
+            </a:r>
+            <a:r>
+              <a:rPr lang="en-US" altLang="zh-TW" dirty="0"/>
+              <a:t> = function(deployer) {</a:t>
+            </a:r>
+            <a:endParaRPr lang="zh-TW" altLang="zh-TW" dirty="0"/>
+          </a:p>
+          <a:p>
+            <a:pPr marL="0" indent="0">
+              <a:buNone/>
+            </a:pPr>
+            <a:r>
+              <a:rPr lang="en-US" altLang="zh-TW" dirty="0"/>
+              <a:t>  </a:t>
+            </a:r>
+            <a:r>
+              <a:rPr lang="en-US" altLang="zh-TW" dirty="0" err="1"/>
+              <a:t>deployer.deploy</a:t>
+            </a:r>
+            <a:r>
+              <a:rPr lang="en-US" altLang="zh-TW" dirty="0"/>
+              <a:t>(</a:t>
+            </a:r>
+            <a:r>
+              <a:rPr lang="en-US" altLang="zh-TW" dirty="0" err="1"/>
+              <a:t>MyToken</a:t>
+            </a:r>
+            <a:r>
+              <a:rPr lang="en-US" altLang="zh-TW" dirty="0"/>
+              <a:t>);</a:t>
+            </a:r>
+            <a:endParaRPr lang="zh-TW" altLang="zh-TW" dirty="0"/>
+          </a:p>
+          <a:p>
+            <a:pPr marL="0" indent="0">
+              <a:buNone/>
+            </a:pPr>
+            <a:r>
+              <a:rPr lang="en-US" altLang="zh-TW" dirty="0"/>
+              <a:t>};</a:t>
+            </a:r>
             <a:endParaRPr lang="zh-TW" altLang="en-US" dirty="0"/>
           </a:p>
         </p:txBody>
@@ -18209,6 +18501,795 @@
     <p:extLst>
       <p:ext uri="{BB962C8B-B14F-4D97-AF65-F5344CB8AC3E}">
         <p14:creationId xmlns:p14="http://schemas.microsoft.com/office/powerpoint/2010/main" val="383580343"/>
+      </p:ext>
+    </p:extLst>
+  </p:cSld>
+  <p:clrMapOvr>
+    <a:masterClrMapping/>
+  </p:clrMapOvr>
+</p:sld>
+</file>
+
+<file path=ppt/slides/slide21.xml><?xml version="1.0" encoding="utf-8"?>
+<p:sld xmlns:a="http://schemas.openxmlformats.org/drawingml/2006/main" xmlns:r="http://schemas.openxmlformats.org/officeDocument/2006/relationships" xmlns:p="http://schemas.openxmlformats.org/presentationml/2006/main">
+  <p:cSld>
+    <p:spTree>
+      <p:nvGrpSpPr>
+        <p:cNvPr id="1" name=""/>
+        <p:cNvGrpSpPr/>
+        <p:nvPr/>
+      </p:nvGrpSpPr>
+      <p:grpSpPr>
+        <a:xfrm>
+          <a:off x="0" y="0"/>
+          <a:ext cx="0" cy="0"/>
+          <a:chOff x="0" y="0"/>
+          <a:chExt cx="0" cy="0"/>
+        </a:xfrm>
+      </p:grpSpPr>
+      <p:sp>
+        <p:nvSpPr>
+          <p:cNvPr id="2" name="標題 1">
+            <a:extLst>
+              <a:ext uri="{FF2B5EF4-FFF2-40B4-BE49-F238E27FC236}">
+                <a16:creationId xmlns:a16="http://schemas.microsoft.com/office/drawing/2014/main" id="{4FD2516B-C40C-46D6-9F8C-FD034EFEBEDF}"/>
+              </a:ext>
+            </a:extLst>
+          </p:cNvPr>
+          <p:cNvSpPr>
+            <a:spLocks noGrp="1"/>
+          </p:cNvSpPr>
+          <p:nvPr>
+            <p:ph type="title"/>
+          </p:nvPr>
+        </p:nvSpPr>
+        <p:spPr/>
+        <p:txBody>
+          <a:bodyPr/>
+          <a:lstStyle/>
+          <a:p>
+            <a:r>
+              <a:rPr lang="zh-TW" altLang="zh-TW" dirty="0"/>
+              <a:t>使用</a:t>
+            </a:r>
+            <a:r>
+              <a:rPr lang="en-US" altLang="zh-TW" dirty="0"/>
+              <a:t>Truffle</a:t>
+            </a:r>
+            <a:r>
+              <a:rPr lang="zh-TW" altLang="zh-TW" dirty="0"/>
+              <a:t>框架建立智能合約</a:t>
+            </a:r>
+            <a:r>
+              <a:rPr lang="en-US" altLang="zh-TW" dirty="0"/>
+              <a:t>(2)</a:t>
+            </a:r>
+            <a:endParaRPr lang="zh-TW" altLang="en-US" dirty="0"/>
+          </a:p>
+        </p:txBody>
+      </p:sp>
+      <p:sp>
+        <p:nvSpPr>
+          <p:cNvPr id="3" name="內容版面配置區 2">
+            <a:extLst>
+              <a:ext uri="{FF2B5EF4-FFF2-40B4-BE49-F238E27FC236}">
+                <a16:creationId xmlns:a16="http://schemas.microsoft.com/office/drawing/2014/main" id="{23F6FCED-C11F-4E0D-9F64-FBA231A910F4}"/>
+              </a:ext>
+            </a:extLst>
+          </p:cNvPr>
+          <p:cNvSpPr>
+            <a:spLocks noGrp="1"/>
+          </p:cNvSpPr>
+          <p:nvPr>
+            <p:ph idx="1"/>
+          </p:nvPr>
+        </p:nvSpPr>
+        <p:spPr>
+          <a:xfrm>
+            <a:off x="1103312" y="1323976"/>
+            <a:ext cx="10440988" cy="4924424"/>
+          </a:xfrm>
+        </p:spPr>
+        <p:txBody>
+          <a:bodyPr>
+            <a:normAutofit lnSpcReduction="10000"/>
+          </a:bodyPr>
+          <a:lstStyle/>
+          <a:p>
+            <a:r>
+              <a:rPr lang="zh-TW" altLang="en-US" dirty="0"/>
+              <a:t>修改</a:t>
+            </a:r>
+            <a:r>
+              <a:rPr lang="en-US" altLang="zh-TW" dirty="0"/>
+              <a:t>truffle-config.js</a:t>
+            </a:r>
+            <a:r>
+              <a:rPr lang="zh-TW" altLang="en-US" dirty="0"/>
+              <a:t>：</a:t>
+            </a:r>
+            <a:endParaRPr lang="en-US" altLang="zh-TW" dirty="0"/>
+          </a:p>
+          <a:p>
+            <a:pPr marL="0" indent="0">
+              <a:buNone/>
+            </a:pPr>
+            <a:r>
+              <a:rPr lang="en-US" altLang="zh-TW" dirty="0"/>
+              <a:t>networks: {</a:t>
+            </a:r>
+            <a:endParaRPr lang="zh-TW" altLang="zh-TW" dirty="0"/>
+          </a:p>
+          <a:p>
+            <a:pPr marL="0" indent="0">
+              <a:buNone/>
+            </a:pPr>
+            <a:r>
+              <a:rPr lang="en-US" altLang="zh-TW" dirty="0"/>
+              <a:t>  development: {</a:t>
+            </a:r>
+            <a:endParaRPr lang="zh-TW" altLang="zh-TW" dirty="0"/>
+          </a:p>
+          <a:p>
+            <a:pPr marL="0" indent="0">
+              <a:buNone/>
+            </a:pPr>
+            <a:r>
+              <a:rPr lang="en-US" altLang="zh-TW" dirty="0"/>
+              <a:t>     host: "127.0.0.1",     // Localhost (default: none)</a:t>
+            </a:r>
+            <a:endParaRPr lang="zh-TW" altLang="zh-TW" dirty="0"/>
+          </a:p>
+          <a:p>
+            <a:pPr marL="0" indent="0">
+              <a:buNone/>
+            </a:pPr>
+            <a:r>
+              <a:rPr lang="en-US" altLang="zh-TW" dirty="0"/>
+              <a:t>     port: 7545,            // Standard Ethereum port (default: none)</a:t>
+            </a:r>
+            <a:endParaRPr lang="zh-TW" altLang="zh-TW" dirty="0"/>
+          </a:p>
+          <a:p>
+            <a:pPr marL="0" indent="0">
+              <a:buNone/>
+            </a:pPr>
+            <a:r>
+              <a:rPr lang="en-US" altLang="zh-TW" dirty="0"/>
+              <a:t>     </a:t>
+            </a:r>
+            <a:r>
+              <a:rPr lang="en-US" altLang="zh-TW" dirty="0" err="1"/>
+              <a:t>network_id</a:t>
+            </a:r>
+            <a:r>
+              <a:rPr lang="en-US" altLang="zh-TW" dirty="0"/>
+              <a:t>: "*",       // Any network (default: none)</a:t>
+            </a:r>
+            <a:endParaRPr lang="zh-TW" altLang="zh-TW" dirty="0"/>
+          </a:p>
+          <a:p>
+            <a:pPr marL="0" indent="0">
+              <a:buNone/>
+            </a:pPr>
+            <a:r>
+              <a:rPr lang="en-US" altLang="zh-TW" dirty="0"/>
+              <a:t>    },</a:t>
+            </a:r>
+          </a:p>
+          <a:p>
+            <a:r>
+              <a:rPr lang="zh-TW" altLang="en-US" dirty="0"/>
+              <a:t>新增前端網頁 </a:t>
+            </a:r>
+            <a:r>
+              <a:rPr lang="en-US" altLang="zh-TW" dirty="0"/>
+              <a:t>client &gt; index.html</a:t>
+            </a:r>
+          </a:p>
+          <a:p>
+            <a:r>
+              <a:rPr lang="zh-TW" altLang="en-US" dirty="0"/>
+              <a:t>新增 </a:t>
+            </a:r>
+            <a:r>
+              <a:rPr lang="en-US" altLang="zh-TW" dirty="0"/>
+              <a:t>client/index.js</a:t>
+            </a:r>
+            <a:r>
+              <a:rPr lang="zh-TW" altLang="en-US" dirty="0"/>
+              <a:t>：從</a:t>
+            </a:r>
+            <a:r>
+              <a:rPr lang="en-US" altLang="zh-TW" dirty="0"/>
+              <a:t>build/contracts/</a:t>
+            </a:r>
+            <a:r>
+              <a:rPr lang="en-US" altLang="zh-TW" dirty="0" err="1"/>
+              <a:t>MyToken.json</a:t>
+            </a:r>
+            <a:r>
+              <a:rPr lang="zh-TW" altLang="en-US" dirty="0"/>
+              <a:t>中複製</a:t>
+            </a:r>
+            <a:r>
+              <a:rPr lang="en-US" altLang="zh-TW" dirty="0" err="1"/>
+              <a:t>abi</a:t>
+            </a:r>
+            <a:r>
+              <a:rPr lang="zh-TW" altLang="en-US" dirty="0"/>
+              <a:t>和</a:t>
+            </a:r>
+            <a:r>
+              <a:rPr lang="en-US" altLang="zh-TW" dirty="0"/>
+              <a:t>address</a:t>
+            </a:r>
+          </a:p>
+          <a:p>
+            <a:r>
+              <a:rPr lang="zh-TW" altLang="en-US" dirty="0"/>
+              <a:t>安裝</a:t>
+            </a:r>
+            <a:r>
+              <a:rPr lang="en-US" altLang="zh-TW" dirty="0"/>
+              <a:t>Web3.js</a:t>
+            </a:r>
+            <a:r>
+              <a:rPr lang="zh-TW" altLang="en-US" dirty="0"/>
+              <a:t>、</a:t>
+            </a:r>
+            <a:r>
+              <a:rPr lang="en-US" altLang="zh-TW" dirty="0"/>
+              <a:t>lite-server</a:t>
+            </a:r>
+          </a:p>
+          <a:p>
+            <a:pPr lvl="1"/>
+            <a:r>
+              <a:rPr lang="en-US" altLang="zh-TW" dirty="0" err="1"/>
+              <a:t>MyToken</a:t>
+            </a:r>
+            <a:r>
+              <a:rPr lang="en-US" altLang="zh-TW" dirty="0"/>
+              <a:t> \client &gt; </a:t>
+            </a:r>
+            <a:r>
+              <a:rPr lang="en-US" altLang="zh-TW" dirty="0" err="1"/>
+              <a:t>npm</a:t>
+            </a:r>
+            <a:r>
+              <a:rPr lang="en-US" altLang="zh-TW" dirty="0"/>
+              <a:t> install web3</a:t>
+            </a:r>
+          </a:p>
+          <a:p>
+            <a:pPr lvl="1"/>
+            <a:r>
+              <a:rPr lang="en-US" altLang="zh-TW" dirty="0" err="1"/>
+              <a:t>MyToken</a:t>
+            </a:r>
+            <a:r>
+              <a:rPr lang="en-US" altLang="zh-TW" dirty="0"/>
+              <a:t> \client &gt; </a:t>
+            </a:r>
+            <a:r>
+              <a:rPr lang="en-US" altLang="zh-TW" dirty="0" err="1"/>
+              <a:t>npm</a:t>
+            </a:r>
+            <a:r>
+              <a:rPr lang="en-US" altLang="zh-TW" dirty="0"/>
+              <a:t> install lite-server --save-dev</a:t>
+            </a:r>
+            <a:endParaRPr lang="zh-TW" altLang="en-US" dirty="0"/>
+          </a:p>
+        </p:txBody>
+      </p:sp>
+    </p:spTree>
+    <p:extLst>
+      <p:ext uri="{BB962C8B-B14F-4D97-AF65-F5344CB8AC3E}">
+        <p14:creationId xmlns:p14="http://schemas.microsoft.com/office/powerpoint/2010/main" val="3900357441"/>
+      </p:ext>
+    </p:extLst>
+  </p:cSld>
+  <p:clrMapOvr>
+    <a:masterClrMapping/>
+  </p:clrMapOvr>
+</p:sld>
+</file>
+
+<file path=ppt/slides/slide22.xml><?xml version="1.0" encoding="utf-8"?>
+<p:sld xmlns:a="http://schemas.openxmlformats.org/drawingml/2006/main" xmlns:r="http://schemas.openxmlformats.org/officeDocument/2006/relationships" xmlns:p="http://schemas.openxmlformats.org/presentationml/2006/main">
+  <p:cSld>
+    <p:spTree>
+      <p:nvGrpSpPr>
+        <p:cNvPr id="1" name=""/>
+        <p:cNvGrpSpPr/>
+        <p:nvPr/>
+      </p:nvGrpSpPr>
+      <p:grpSpPr>
+        <a:xfrm>
+          <a:off x="0" y="0"/>
+          <a:ext cx="0" cy="0"/>
+          <a:chOff x="0" y="0"/>
+          <a:chExt cx="0" cy="0"/>
+        </a:xfrm>
+      </p:grpSpPr>
+      <p:sp>
+        <p:nvSpPr>
+          <p:cNvPr id="2" name="標題 1">
+            <a:extLst>
+              <a:ext uri="{FF2B5EF4-FFF2-40B4-BE49-F238E27FC236}">
+                <a16:creationId xmlns:a16="http://schemas.microsoft.com/office/drawing/2014/main" id="{4FD2516B-C40C-46D6-9F8C-FD034EFEBEDF}"/>
+              </a:ext>
+            </a:extLst>
+          </p:cNvPr>
+          <p:cNvSpPr>
+            <a:spLocks noGrp="1"/>
+          </p:cNvSpPr>
+          <p:nvPr>
+            <p:ph type="title"/>
+          </p:nvPr>
+        </p:nvSpPr>
+        <p:spPr/>
+        <p:txBody>
+          <a:bodyPr/>
+          <a:lstStyle/>
+          <a:p>
+            <a:r>
+              <a:rPr lang="zh-TW" altLang="zh-TW" dirty="0"/>
+              <a:t>使用</a:t>
+            </a:r>
+            <a:r>
+              <a:rPr lang="en-US" altLang="zh-TW" dirty="0"/>
+              <a:t>Truffle</a:t>
+            </a:r>
+            <a:r>
+              <a:rPr lang="zh-TW" altLang="zh-TW" dirty="0"/>
+              <a:t>框架建立智能合約</a:t>
+            </a:r>
+            <a:r>
+              <a:rPr lang="en-US" altLang="zh-TW" dirty="0"/>
+              <a:t>(3)</a:t>
+            </a:r>
+            <a:endParaRPr lang="zh-TW" altLang="en-US" dirty="0"/>
+          </a:p>
+        </p:txBody>
+      </p:sp>
+      <p:sp>
+        <p:nvSpPr>
+          <p:cNvPr id="3" name="內容版面配置區 2">
+            <a:extLst>
+              <a:ext uri="{FF2B5EF4-FFF2-40B4-BE49-F238E27FC236}">
+                <a16:creationId xmlns:a16="http://schemas.microsoft.com/office/drawing/2014/main" id="{23F6FCED-C11F-4E0D-9F64-FBA231A910F4}"/>
+              </a:ext>
+            </a:extLst>
+          </p:cNvPr>
+          <p:cNvSpPr>
+            <a:spLocks noGrp="1"/>
+          </p:cNvSpPr>
+          <p:nvPr>
+            <p:ph idx="1"/>
+          </p:nvPr>
+        </p:nvSpPr>
+        <p:spPr>
+          <a:xfrm>
+            <a:off x="1103312" y="1323976"/>
+            <a:ext cx="10440988" cy="4924424"/>
+          </a:xfrm>
+        </p:spPr>
+        <p:txBody>
+          <a:bodyPr>
+            <a:normAutofit/>
+          </a:bodyPr>
+          <a:lstStyle/>
+          <a:p>
+            <a:r>
+              <a:rPr lang="zh-TW" altLang="en-US" dirty="0"/>
+              <a:t>修改</a:t>
+            </a:r>
+            <a:r>
+              <a:rPr lang="en-US" altLang="zh-TW" dirty="0" err="1"/>
+              <a:t>package.json</a:t>
+            </a:r>
+            <a:endParaRPr lang="en-US" altLang="zh-TW" dirty="0"/>
+          </a:p>
+          <a:p>
+            <a:pPr marL="0" indent="0">
+              <a:buNone/>
+            </a:pPr>
+            <a:r>
+              <a:rPr lang="en-US" altLang="zh-TW" dirty="0"/>
+              <a:t>"scripts": {</a:t>
+            </a:r>
+          </a:p>
+          <a:p>
+            <a:pPr marL="0" indent="0">
+              <a:buNone/>
+            </a:pPr>
+            <a:r>
+              <a:rPr lang="en-US" altLang="zh-TW" dirty="0"/>
+              <a:t>    "test": "echo \"Error: no test specified\" &amp;&amp; exit 1",</a:t>
+            </a:r>
+          </a:p>
+          <a:p>
+            <a:pPr marL="0" indent="0">
+              <a:buNone/>
+            </a:pPr>
+            <a:r>
+              <a:rPr lang="en-US" altLang="zh-TW" dirty="0"/>
+              <a:t>    "start": "lite-server"</a:t>
+            </a:r>
+            <a:r>
+              <a:rPr lang="zh-TW" altLang="en-US" dirty="0"/>
+              <a:t>或 </a:t>
+            </a:r>
+            <a:r>
+              <a:rPr lang="en-US" altLang="zh-TW" dirty="0"/>
+              <a:t>"dev": "lite-server"</a:t>
+            </a:r>
+          </a:p>
+          <a:p>
+            <a:pPr marL="0" indent="0">
+              <a:buNone/>
+            </a:pPr>
+            <a:r>
+              <a:rPr lang="en-US" altLang="zh-TW" dirty="0"/>
+              <a:t> },</a:t>
+            </a:r>
+          </a:p>
+          <a:p>
+            <a:r>
+              <a:rPr lang="zh-TW" altLang="en-US" dirty="0"/>
+              <a:t>新增</a:t>
+            </a:r>
+            <a:r>
+              <a:rPr lang="en-US" altLang="zh-TW" dirty="0"/>
+              <a:t>bs-</a:t>
+            </a:r>
+            <a:r>
+              <a:rPr lang="en-US" altLang="zh-TW" dirty="0" err="1"/>
+              <a:t>config.json</a:t>
+            </a:r>
+            <a:endParaRPr lang="en-US" altLang="zh-TW" dirty="0"/>
+          </a:p>
+          <a:p>
+            <a:r>
+              <a:rPr lang="en-US" altLang="zh-TW" dirty="0"/>
+              <a:t>Run the app</a:t>
+            </a:r>
+          </a:p>
+          <a:p>
+            <a:pPr lvl="1"/>
+            <a:r>
+              <a:rPr lang="en-US" altLang="zh-TW" dirty="0"/>
+              <a:t>$</a:t>
+            </a:r>
+            <a:r>
+              <a:rPr lang="en-US" altLang="zh-TW" dirty="0" err="1"/>
+              <a:t>MyToken</a:t>
+            </a:r>
+            <a:r>
+              <a:rPr lang="en-US" altLang="zh-TW" dirty="0"/>
+              <a:t> \client&gt; </a:t>
+            </a:r>
+            <a:r>
+              <a:rPr lang="en-US" altLang="zh-TW" dirty="0" err="1"/>
+              <a:t>npm</a:t>
+            </a:r>
+            <a:r>
+              <a:rPr lang="en-US" altLang="zh-TW" dirty="0"/>
+              <a:t> start </a:t>
+            </a:r>
+            <a:r>
+              <a:rPr lang="zh-TW" altLang="en-US" dirty="0"/>
+              <a:t>或</a:t>
+            </a:r>
+            <a:r>
+              <a:rPr lang="en-US" altLang="zh-TW" dirty="0" err="1"/>
+              <a:t>npm</a:t>
+            </a:r>
+            <a:r>
+              <a:rPr lang="en-US" altLang="zh-TW" dirty="0"/>
+              <a:t> run dev</a:t>
+            </a:r>
+          </a:p>
+          <a:p>
+            <a:pPr marL="0" indent="0">
+              <a:buNone/>
+            </a:pPr>
+            <a:endParaRPr lang="zh-TW" altLang="en-US" dirty="0"/>
+          </a:p>
+        </p:txBody>
+      </p:sp>
+    </p:spTree>
+    <p:extLst>
+      <p:ext uri="{BB962C8B-B14F-4D97-AF65-F5344CB8AC3E}">
+        <p14:creationId xmlns:p14="http://schemas.microsoft.com/office/powerpoint/2010/main" val="750482585"/>
+      </p:ext>
+    </p:extLst>
+  </p:cSld>
+  <p:clrMapOvr>
+    <a:masterClrMapping/>
+  </p:clrMapOvr>
+</p:sld>
+</file>
+
+<file path=ppt/slides/slide23.xml><?xml version="1.0" encoding="utf-8"?>
+<p:sld xmlns:a="http://schemas.openxmlformats.org/drawingml/2006/main" xmlns:r="http://schemas.openxmlformats.org/officeDocument/2006/relationships" xmlns:p="http://schemas.openxmlformats.org/presentationml/2006/main">
+  <p:cSld>
+    <p:spTree>
+      <p:nvGrpSpPr>
+        <p:cNvPr id="1" name=""/>
+        <p:cNvGrpSpPr/>
+        <p:nvPr/>
+      </p:nvGrpSpPr>
+      <p:grpSpPr>
+        <a:xfrm>
+          <a:off x="0" y="0"/>
+          <a:ext cx="0" cy="0"/>
+          <a:chOff x="0" y="0"/>
+          <a:chExt cx="0" cy="0"/>
+        </a:xfrm>
+      </p:grpSpPr>
+      <p:sp>
+        <p:nvSpPr>
+          <p:cNvPr id="2" name="標題 1">
+            <a:extLst>
+              <a:ext uri="{FF2B5EF4-FFF2-40B4-BE49-F238E27FC236}">
+                <a16:creationId xmlns:a16="http://schemas.microsoft.com/office/drawing/2014/main" id="{4BEC9D9E-E8EB-46DC-917D-C37B415BD486}"/>
+              </a:ext>
+            </a:extLst>
+          </p:cNvPr>
+          <p:cNvSpPr>
+            <a:spLocks noGrp="1"/>
+          </p:cNvSpPr>
+          <p:nvPr>
+            <p:ph type="title"/>
+          </p:nvPr>
+        </p:nvSpPr>
+        <p:spPr/>
+        <p:txBody>
+          <a:bodyPr/>
+          <a:lstStyle/>
+          <a:p>
+            <a:r>
+              <a:rPr lang="zh-TW" altLang="en-US" dirty="0"/>
+              <a:t>參考資料</a:t>
+            </a:r>
+          </a:p>
+        </p:txBody>
+      </p:sp>
+      <p:sp>
+        <p:nvSpPr>
+          <p:cNvPr id="3" name="內容版面配置區 2">
+            <a:extLst>
+              <a:ext uri="{FF2B5EF4-FFF2-40B4-BE49-F238E27FC236}">
+                <a16:creationId xmlns:a16="http://schemas.microsoft.com/office/drawing/2014/main" id="{2275DB36-6B95-4E3F-BFB7-70D8BA2D41BE}"/>
+              </a:ext>
+            </a:extLst>
+          </p:cNvPr>
+          <p:cNvSpPr>
+            <a:spLocks noGrp="1"/>
+          </p:cNvSpPr>
+          <p:nvPr>
+            <p:ph idx="1"/>
+          </p:nvPr>
+        </p:nvSpPr>
+        <p:spPr>
+          <a:xfrm>
+            <a:off x="1103312" y="1323976"/>
+            <a:ext cx="8946541" cy="5438774"/>
+          </a:xfrm>
+        </p:spPr>
+        <p:txBody>
+          <a:bodyPr>
+            <a:normAutofit lnSpcReduction="10000"/>
+          </a:bodyPr>
+          <a:lstStyle/>
+          <a:p>
+            <a:r>
+              <a:rPr lang="zh-TW" altLang="en-US" dirty="0"/>
+              <a:t>從</a:t>
+            </a:r>
+            <a:r>
+              <a:rPr lang="en-US" altLang="zh-TW" dirty="0"/>
+              <a:t>0</a:t>
+            </a:r>
+            <a:r>
+              <a:rPr lang="zh-TW" altLang="en-US" dirty="0"/>
+              <a:t>開始架構區塊鏈 </a:t>
+            </a:r>
+            <a:r>
+              <a:rPr lang="en-US" altLang="zh-TW" dirty="0">
+                <a:hlinkClick r:id="rId2"/>
+              </a:rPr>
+              <a:t>https://ithelp.ithome.com.tw/users/20119982/ironman/2255?page=1</a:t>
+            </a:r>
+            <a:endParaRPr lang="en-US" altLang="zh-TW" dirty="0"/>
+          </a:p>
+          <a:p>
+            <a:r>
+              <a:rPr lang="en-US" altLang="zh-TW" dirty="0"/>
+              <a:t>Ethereum</a:t>
+            </a:r>
+            <a:r>
+              <a:rPr lang="zh-TW" altLang="en-US" dirty="0"/>
+              <a:t>區塊鏈！智能合約</a:t>
+            </a:r>
+            <a:r>
+              <a:rPr lang="en-US" altLang="zh-TW" dirty="0"/>
+              <a:t>(Smart Contract)</a:t>
+            </a:r>
+            <a:r>
+              <a:rPr lang="zh-TW" altLang="en-US" dirty="0"/>
+              <a:t>與分散式網頁應用</a:t>
+            </a:r>
+            <a:r>
+              <a:rPr lang="en-US" altLang="zh-TW" dirty="0"/>
+              <a:t>(</a:t>
+            </a:r>
+            <a:r>
+              <a:rPr lang="en-US" altLang="zh-TW" dirty="0" err="1"/>
+              <a:t>dApp</a:t>
+            </a:r>
+            <a:r>
+              <a:rPr lang="en-US" altLang="zh-TW" dirty="0"/>
+              <a:t>)</a:t>
+            </a:r>
+            <a:r>
+              <a:rPr lang="zh-TW" altLang="en-US" dirty="0"/>
+              <a:t>入門  </a:t>
+            </a:r>
+            <a:r>
+              <a:rPr lang="en-US" altLang="zh-TW" dirty="0">
+                <a:hlinkClick r:id="rId3"/>
+              </a:rPr>
+              <a:t>https://gasolin.gitbooks.io/learn-ethereum-dapp/content/</a:t>
+            </a:r>
+            <a:endParaRPr lang="en-US" altLang="zh-TW" dirty="0"/>
+          </a:p>
+          <a:p>
+            <a:r>
+              <a:rPr lang="zh-TW" altLang="en-US" dirty="0"/>
+              <a:t>編譯和部署合約的第一種姿勢 </a:t>
+            </a:r>
+            <a:r>
+              <a:rPr lang="en-US" altLang="zh-TW" dirty="0"/>
+              <a:t>- </a:t>
+            </a:r>
+            <a:r>
+              <a:rPr lang="zh-TW" altLang="en-US" dirty="0"/>
+              <a:t>使用 </a:t>
+            </a:r>
+            <a:r>
+              <a:rPr lang="en-US" altLang="zh-TW" dirty="0"/>
+              <a:t>Remix  </a:t>
+            </a:r>
+            <a:r>
+              <a:rPr lang="en-US" altLang="zh-TW" dirty="0">
+                <a:hlinkClick r:id="rId4"/>
+              </a:rPr>
+              <a:t>https://gist.github.com/Ankarrr/561fb3e49bd22847780fb93f0e382f59</a:t>
+            </a:r>
+            <a:endParaRPr lang="en-US" altLang="zh-TW" dirty="0"/>
+          </a:p>
+          <a:p>
+            <a:r>
+              <a:rPr lang="zh-TW" altLang="en-US" dirty="0"/>
+              <a:t>乙太坊開發實戰學習</a:t>
+            </a:r>
+            <a:r>
+              <a:rPr lang="en-US" altLang="zh-TW" dirty="0"/>
+              <a:t>-Solidity</a:t>
+            </a:r>
+            <a:r>
+              <a:rPr lang="zh-TW" altLang="en-US" dirty="0"/>
+              <a:t>初學  </a:t>
+            </a:r>
+            <a:r>
+              <a:rPr lang="en-US" altLang="zh-TW" dirty="0">
+                <a:hlinkClick r:id="rId5"/>
+              </a:rPr>
+              <a:t>https://www.taichung.gov.tw/8868/8872/1024778/post</a:t>
+            </a:r>
+            <a:endParaRPr lang="en-US" altLang="zh-TW" dirty="0"/>
+          </a:p>
+          <a:p>
+            <a:r>
+              <a:rPr lang="en-US" altLang="zh-TW" dirty="0"/>
+              <a:t>2021</a:t>
+            </a:r>
+            <a:r>
+              <a:rPr lang="zh-TW" altLang="en-US" dirty="0"/>
+              <a:t>最新完整</a:t>
+            </a:r>
+            <a:r>
+              <a:rPr lang="en-US" altLang="zh-TW" dirty="0" err="1"/>
+              <a:t>Metamask</a:t>
+            </a:r>
+            <a:r>
+              <a:rPr lang="zh-TW" altLang="en-US" dirty="0"/>
+              <a:t>錢包教學介紹  </a:t>
+            </a:r>
+            <a:r>
+              <a:rPr lang="en-US" altLang="zh-TW" dirty="0">
+                <a:hlinkClick r:id="rId6"/>
+              </a:rPr>
+              <a:t>https://www.cool3c.com/article/162263</a:t>
+            </a:r>
+            <a:endParaRPr lang="en-US" altLang="zh-TW" dirty="0"/>
+          </a:p>
+          <a:p>
+            <a:r>
+              <a:rPr lang="zh-TW" altLang="en-US" dirty="0"/>
+              <a:t>智能合約開發實戰</a:t>
+            </a:r>
+            <a:br>
+              <a:rPr lang="en-US" altLang="zh-TW" dirty="0"/>
+            </a:br>
+            <a:r>
+              <a:rPr lang="en-US" altLang="zh-TW" dirty="0">
+                <a:hlinkClick r:id="rId7"/>
+              </a:rPr>
+              <a:t>https://vocus.cc/article/61cae393fd89780001f12da7</a:t>
+            </a:r>
+            <a:endParaRPr lang="en-US" altLang="zh-TW" dirty="0"/>
+          </a:p>
+          <a:p>
+            <a:r>
+              <a:rPr lang="zh-TW" altLang="en-US" dirty="0"/>
+              <a:t>區塊練起來</a:t>
+            </a:r>
+            <a:r>
+              <a:rPr lang="en-US" altLang="zh-TW" dirty="0"/>
+              <a:t>-</a:t>
+            </a:r>
+            <a:r>
+              <a:rPr lang="zh-TW" altLang="en-US" dirty="0"/>
+              <a:t>智能合約與</a:t>
+            </a:r>
+            <a:r>
+              <a:rPr lang="en-US" altLang="zh-TW" dirty="0" err="1"/>
+              <a:t>DApp</a:t>
+            </a:r>
+            <a:r>
+              <a:rPr lang="zh-TW" altLang="en-US" dirty="0"/>
+              <a:t>開發  </a:t>
+            </a:r>
+            <a:r>
+              <a:rPr lang="en-US" altLang="zh-TW" dirty="0">
+                <a:hlinkClick r:id="rId8"/>
+              </a:rPr>
+              <a:t>https://ithelp.ithome.com.tw/users/20119338/ironman/2150?page=1</a:t>
+            </a:r>
+            <a:endParaRPr lang="en-US" altLang="zh-TW" dirty="0"/>
+          </a:p>
+          <a:p>
+            <a:r>
+              <a:rPr lang="zh-TW" altLang="en-US" dirty="0"/>
+              <a:t>乙太坊開發實戰學習</a:t>
+            </a:r>
+            <a:r>
+              <a:rPr lang="en-US" altLang="zh-TW" dirty="0"/>
+              <a:t>-Web3.js  </a:t>
+            </a:r>
+            <a:r>
+              <a:rPr lang="en-US" altLang="zh-TW" dirty="0">
+                <a:hlinkClick r:id="rId9"/>
+              </a:rPr>
+              <a:t>https://segmentfault.com/a/1190000015310963</a:t>
+            </a:r>
+            <a:endParaRPr lang="en-US" altLang="zh-TW" dirty="0"/>
+          </a:p>
+          <a:p>
+            <a:endParaRPr lang="zh-TW" altLang="en-US" dirty="0"/>
+          </a:p>
+        </p:txBody>
+      </p:sp>
+    </p:spTree>
+    <p:extLst>
+      <p:ext uri="{BB962C8B-B14F-4D97-AF65-F5344CB8AC3E}">
+        <p14:creationId xmlns:p14="http://schemas.microsoft.com/office/powerpoint/2010/main" val="1410477792"/>
       </p:ext>
     </p:extLst>
   </p:cSld>
@@ -18291,7 +19372,7 @@
           <a:p>
             <a:r>
               <a:rPr lang="zh-TW" altLang="en-US" sz="2400" dirty="0"/>
-              <a:t>區塊鏈是建立在網路上的資料儲存系統，使用密碼學保證資料安全，結合點對點（</a:t>
+              <a:t>區塊鏈是建立在網路上的資料儲存系統，使用密碼學確保資料安全，結合點對點（</a:t>
             </a:r>
             <a:r>
               <a:rPr lang="en-US" altLang="zh-TW" sz="2400" dirty="0"/>
@@ -18299,19 +19380,11 @@
             </a:r>
             <a:r>
               <a:rPr lang="zh-TW" altLang="en-US" sz="2400" dirty="0"/>
-              <a:t>）網路</a:t>
-            </a:r>
-            <a:r>
-              <a:rPr lang="zh-TW" altLang="en-US" sz="2400"/>
-              <a:t>關係，</a:t>
-            </a:r>
-            <a:r>
-              <a:rPr lang="zh-TW" altLang="zh-TW" sz="2400"/>
-              <a:t>不</a:t>
+              <a:t>）網路關係，</a:t>
             </a:r>
             <a:r>
               <a:rPr lang="zh-TW" altLang="zh-TW" sz="2400" dirty="0"/>
-              <a:t>需依賴單一中心化機構就能夠運作的分散式系統</a:t>
+              <a:t>不需依賴單一中心化機構就能夠運作的分散式系統</a:t>
             </a:r>
             <a:endParaRPr lang="en-US" altLang="zh-TW" sz="2400" dirty="0"/>
           </a:p>
@@ -18666,8 +19739,20 @@
           <a:lstStyle/>
           <a:p>
             <a:r>
+              <a:rPr lang="en-US" altLang="zh-TW" sz="2400" dirty="0"/>
+              <a:t>2008 </a:t>
+            </a:r>
+            <a:r>
               <a:rPr lang="zh-TW" altLang="en-US" sz="2400" dirty="0"/>
-              <a:t>中本聰</a:t>
+              <a:t>年化名中本聰</a:t>
+            </a:r>
+            <a:r>
+              <a:rPr lang="en-US" altLang="zh-TW" sz="2400" dirty="0"/>
+              <a:t> (Satoshi Nakamoto ) </a:t>
+            </a:r>
+            <a:r>
+              <a:rPr lang="zh-TW" altLang="en-US" sz="2400" dirty="0"/>
+              <a:t>在</a:t>
             </a:r>
             <a:r>
               <a:rPr lang="en-US" altLang="zh-TW" sz="2400" dirty="0"/>
@@ -18691,37 +19776,14 @@
             </a:r>
             <a:r>
               <a:rPr lang="zh-TW" altLang="en-US" sz="2400" dirty="0"/>
-              <a:t>）</a:t>
-            </a:r>
-            <a:r>
-              <a:rPr lang="en-US" altLang="zh-TW" sz="2400" dirty="0"/>
-              <a:t>2008</a:t>
-            </a:r>
-          </a:p>
-          <a:p>
-            <a:r>
-              <a:rPr lang="en-US" altLang="zh-TW" sz="2400" dirty="0"/>
-              <a:t>2008 </a:t>
-            </a:r>
-            <a:r>
-              <a:rPr lang="zh-TW" altLang="en-US" sz="2400" dirty="0"/>
-              <a:t>年化名</a:t>
-            </a:r>
-            <a:r>
-              <a:rPr lang="en-US" altLang="zh-TW" sz="2400" dirty="0"/>
-              <a:t>Satoshi Nakamoto (</a:t>
-            </a:r>
-            <a:r>
-              <a:rPr lang="zh-TW" altLang="en-US" sz="2400" dirty="0"/>
-              <a:t>中本聰</a:t>
-            </a:r>
-            <a:r>
-              <a:rPr lang="en-US" altLang="zh-TW" sz="2400" dirty="0"/>
-              <a:t>) </a:t>
-            </a:r>
-            <a:r>
-              <a:rPr lang="zh-TW" altLang="en-US" sz="2400" dirty="0"/>
-              <a:t>提出的一種數位貨幣</a:t>
+              <a:t>）提出的一種數位加密貨幣</a:t>
+            </a:r>
+            <a:endParaRPr lang="en-US" altLang="zh-TW" sz="2400" dirty="0"/>
+          </a:p>
+          <a:p>
+            <a:r>
+              <a:rPr lang="zh-TW" altLang="zh-TW" sz="2400" dirty="0"/>
+              <a:t>運用區塊鏈技術，應用在電子貨幣的支付上</a:t>
             </a:r>
             <a:endParaRPr lang="en-US" altLang="zh-TW" sz="2400" dirty="0"/>
           </a:p>
@@ -18891,35 +19953,33 @@
             </a:r>
             <a:r>
               <a:rPr lang="zh-TW" altLang="zh-TW" sz="2400" dirty="0"/>
-              <a:t>）來執行智能合約</a:t>
-            </a:r>
-            <a:endParaRPr lang="en-US" altLang="zh-TW" sz="2400" dirty="0"/>
-          </a:p>
-          <a:p>
+              <a:t>）</a:t>
+            </a:r>
             <a:r>
               <a:rPr lang="zh-TW" altLang="en-US" sz="2400" dirty="0"/>
-              <a:t>部署及</a:t>
+              <a:t>，將智能合約程式碼編譯成位元組碼 </a:t>
+            </a:r>
+            <a:r>
+              <a:rPr lang="en-US" altLang="zh-TW" sz="2400" dirty="0"/>
+              <a:t>(</a:t>
+            </a:r>
+            <a:r>
+              <a:rPr lang="en-US" altLang="zh-TW" sz="2400" dirty="0" err="1"/>
+              <a:t>byecode</a:t>
+            </a:r>
+            <a:r>
+              <a:rPr lang="en-US" altLang="zh-TW" sz="2400" dirty="0"/>
+              <a:t>)</a:t>
+            </a:r>
+            <a:r>
+              <a:rPr lang="zh-TW" altLang="en-US" sz="2400" dirty="0"/>
+              <a:t>，部署及</a:t>
             </a:r>
             <a:r>
               <a:rPr lang="zh-TW" altLang="zh-TW" sz="2400" dirty="0"/>
               <a:t>執行智能合約</a:t>
             </a:r>
-            <a:r>
-              <a:rPr lang="zh-TW" altLang="en-US" sz="2400" dirty="0"/>
-              <a:t>需支付加密貨幣 </a:t>
-            </a:r>
-            <a:r>
-              <a:rPr lang="en-US" altLang="zh-TW" sz="2400" dirty="0"/>
-              <a:t>(Ether</a:t>
-            </a:r>
-            <a:r>
-              <a:rPr lang="zh-TW" altLang="en-US" sz="2400" dirty="0"/>
-              <a:t>，以太幣</a:t>
-            </a:r>
-            <a:r>
-              <a:rPr lang="en-US" altLang="zh-TW" sz="2400" dirty="0"/>
-              <a:t>)</a:t>
-            </a:r>
+            <a:endParaRPr lang="en-US" altLang="zh-TW" sz="2400" dirty="0"/>
           </a:p>
         </p:txBody>
       </p:sp>
@@ -19016,7 +20076,7 @@
           <a:p>
             <a:r>
               <a:rPr lang="zh-TW" altLang="en-US" sz="2400" dirty="0"/>
-              <a:t>智能合約：運行在區塊鏈上的應用程式</a:t>
+              <a:t>智能合約：部署在區塊鏈上的應用程式</a:t>
             </a:r>
             <a:endParaRPr lang="en-US" altLang="zh-TW" sz="2400" dirty="0"/>
           </a:p>
@@ -19056,6 +20116,34 @@
               <a:rPr lang="zh-TW" altLang="en-US" sz="2400" dirty="0"/>
               <a:t>語言：最常用的開發智能合約語言</a:t>
             </a:r>
+            <a:endParaRPr lang="en-US" altLang="zh-TW" sz="2400" dirty="0"/>
+          </a:p>
+          <a:p>
+            <a:r>
+              <a:rPr lang="zh-TW" altLang="en-US" sz="2400" dirty="0"/>
+              <a:t>部署及</a:t>
+            </a:r>
+            <a:r>
+              <a:rPr lang="zh-TW" altLang="zh-TW" sz="2400" dirty="0"/>
+              <a:t>執行智能合約</a:t>
+            </a:r>
+            <a:r>
+              <a:rPr lang="zh-TW" altLang="en-US" sz="2400" dirty="0"/>
+              <a:t>需支付加密貨幣 </a:t>
+            </a:r>
+            <a:r>
+              <a:rPr lang="en-US" altLang="zh-TW" sz="2400" dirty="0"/>
+              <a:t>(Ether</a:t>
+            </a:r>
+            <a:r>
+              <a:rPr lang="zh-TW" altLang="en-US" sz="2400" dirty="0"/>
+              <a:t>，以太幣</a:t>
+            </a:r>
+            <a:r>
+              <a:rPr lang="en-US" altLang="zh-TW" sz="2400" dirty="0"/>
+              <a:t>)</a:t>
+            </a:r>
+            <a:endParaRPr lang="zh-TW" altLang="en-US" sz="2400" dirty="0"/>
           </a:p>
           <a:p>
             <a:r>

--- a/區塊鏈─智能合約實作.pptx
+++ b/區塊鏈─智能合約實作.pptx
@@ -8926,7 +8926,7 @@
           <a:p>
             <a:fld id="{4AAD347D-5ACD-4C99-B74B-A9C85AD731AF}" type="datetimeFigureOut">
               <a:rPr lang="en-US" dirty="0"/>
-              <a:t>10/21/2022</a:t>
+              <a:t>10/24/2022</a:t>
             </a:fld>
             <a:endParaRPr lang="en-US" dirty="0"/>
           </a:p>
@@ -9196,7 +9196,7 @@
           <a:p>
             <a:fld id="{4509A250-FF31-4206-8172-F9D3106AACB1}" type="datetimeFigureOut">
               <a:rPr lang="en-US" dirty="0"/>
-              <a:t>10/21/2022</a:t>
+              <a:t>10/24/2022</a:t>
             </a:fld>
             <a:endParaRPr lang="en-US" dirty="0"/>
           </a:p>
@@ -9385,7 +9385,7 @@
           <a:p>
             <a:fld id="{4509A250-FF31-4206-8172-F9D3106AACB1}" type="datetimeFigureOut">
               <a:rPr lang="en-US" dirty="0"/>
-              <a:t>10/21/2022</a:t>
+              <a:t>10/24/2022</a:t>
             </a:fld>
             <a:endParaRPr lang="en-US" dirty="0"/>
           </a:p>
@@ -9653,7 +9653,7 @@
           <a:p>
             <a:fld id="{4509A250-FF31-4206-8172-F9D3106AACB1}" type="datetimeFigureOut">
               <a:rPr lang="en-US" dirty="0"/>
-              <a:t>10/21/2022</a:t>
+              <a:t>10/24/2022</a:t>
             </a:fld>
             <a:endParaRPr lang="en-US" dirty="0"/>
           </a:p>
@@ -9989,7 +9989,7 @@
           <a:p>
             <a:fld id="{4509A250-FF31-4206-8172-F9D3106AACB1}" type="datetimeFigureOut">
               <a:rPr lang="en-US" dirty="0"/>
-              <a:t>10/21/2022</a:t>
+              <a:t>10/24/2022</a:t>
             </a:fld>
             <a:endParaRPr lang="en-US" dirty="0"/>
           </a:p>
@@ -10607,7 +10607,7 @@
           <a:p>
             <a:fld id="{4509A250-FF31-4206-8172-F9D3106AACB1}" type="datetimeFigureOut">
               <a:rPr lang="en-US" dirty="0"/>
-              <a:t>10/21/2022</a:t>
+              <a:t>10/24/2022</a:t>
             </a:fld>
             <a:endParaRPr lang="en-US" dirty="0"/>
           </a:p>
@@ -11462,7 +11462,7 @@
           <a:p>
             <a:fld id="{4509A250-FF31-4206-8172-F9D3106AACB1}" type="datetimeFigureOut">
               <a:rPr lang="en-US" dirty="0"/>
-              <a:t>10/21/2022</a:t>
+              <a:t>10/24/2022</a:t>
             </a:fld>
             <a:endParaRPr lang="en-US" dirty="0"/>
           </a:p>
@@ -11627,7 +11627,7 @@
           <a:p>
             <a:fld id="{4509A250-FF31-4206-8172-F9D3106AACB1}" type="datetimeFigureOut">
               <a:rPr lang="en-US" dirty="0"/>
-              <a:t>10/21/2022</a:t>
+              <a:t>10/24/2022</a:t>
             </a:fld>
             <a:endParaRPr lang="en-US" dirty="0"/>
           </a:p>
@@ -11802,7 +11802,7 @@
           <a:p>
             <a:fld id="{4509A250-FF31-4206-8172-F9D3106AACB1}" type="datetimeFigureOut">
               <a:rPr lang="en-US" dirty="0"/>
-              <a:t>10/21/2022</a:t>
+              <a:t>10/24/2022</a:t>
             </a:fld>
             <a:endParaRPr lang="en-US" dirty="0"/>
           </a:p>
@@ -12005,7 +12005,7 @@
           <a:p>
             <a:fld id="{4509A250-FF31-4206-8172-F9D3106AACB1}" type="datetimeFigureOut">
               <a:rPr lang="en-US" dirty="0"/>
-              <a:t>10/21/2022</a:t>
+              <a:t>10/24/2022</a:t>
             </a:fld>
             <a:endParaRPr lang="en-US" dirty="0"/>
           </a:p>
@@ -12247,7 +12247,7 @@
           <a:p>
             <a:fld id="{9796027F-7875-4030-9381-8BD8C4F21935}" type="datetimeFigureOut">
               <a:rPr lang="en-US" dirty="0"/>
-              <a:t>10/21/2022</a:t>
+              <a:t>10/24/2022</a:t>
             </a:fld>
             <a:endParaRPr lang="en-US" dirty="0"/>
           </a:p>
@@ -12534,7 +12534,7 @@
           <a:p>
             <a:fld id="{9796027F-7875-4030-9381-8BD8C4F21935}" type="datetimeFigureOut">
               <a:rPr lang="en-US" dirty="0"/>
-              <a:t>10/21/2022</a:t>
+              <a:t>10/24/2022</a:t>
             </a:fld>
             <a:endParaRPr lang="en-US" dirty="0"/>
           </a:p>
@@ -12973,7 +12973,7 @@
           <a:p>
             <a:fld id="{9796027F-7875-4030-9381-8BD8C4F21935}" type="datetimeFigureOut">
               <a:rPr lang="en-US" dirty="0"/>
-              <a:t>10/21/2022</a:t>
+              <a:t>10/24/2022</a:t>
             </a:fld>
             <a:endParaRPr lang="en-US" dirty="0"/>
           </a:p>
@@ -13086,7 +13086,7 @@
           <a:p>
             <a:fld id="{4509A250-FF31-4206-8172-F9D3106AACB1}" type="datetimeFigureOut">
               <a:rPr lang="en-US" dirty="0"/>
-              <a:t>10/21/2022</a:t>
+              <a:t>10/24/2022</a:t>
             </a:fld>
             <a:endParaRPr lang="en-US" dirty="0"/>
           </a:p>
@@ -13176,7 +13176,7 @@
           <a:p>
             <a:fld id="{4509A250-FF31-4206-8172-F9D3106AACB1}" type="datetimeFigureOut">
               <a:rPr lang="en-US" dirty="0"/>
-              <a:t>10/21/2022</a:t>
+              <a:t>10/24/2022</a:t>
             </a:fld>
             <a:endParaRPr lang="en-US" dirty="0"/>
           </a:p>
@@ -13450,7 +13450,7 @@
           <a:p>
             <a:fld id="{4509A250-FF31-4206-8172-F9D3106AACB1}" type="datetimeFigureOut">
               <a:rPr lang="en-US" dirty="0"/>
-              <a:t>10/21/2022</a:t>
+              <a:t>10/24/2022</a:t>
             </a:fld>
             <a:endParaRPr lang="en-US" dirty="0"/>
           </a:p>
@@ -13720,7 +13720,7 @@
           <a:p>
             <a:fld id="{4509A250-FF31-4206-8172-F9D3106AACB1}" type="datetimeFigureOut">
               <a:rPr lang="en-US" dirty="0"/>
-              <a:t>10/21/2022</a:t>
+              <a:t>10/24/2022</a:t>
             </a:fld>
             <a:endParaRPr lang="en-US" dirty="0"/>
           </a:p>
@@ -14144,7 +14144,7 @@
           <a:p>
             <a:fld id="{4AAD347D-5ACD-4C99-B74B-A9C85AD731AF}" type="datetimeFigureOut">
               <a:rPr lang="en-US" dirty="0"/>
-              <a:t>10/21/2022</a:t>
+              <a:t>10/24/2022</a:t>
             </a:fld>
             <a:endParaRPr lang="en-US" dirty="0"/>
           </a:p>
@@ -17158,7 +17158,15 @@
             </a:r>
             <a:r>
               <a:rPr lang="zh-TW" altLang="en-US" sz="2400" dirty="0"/>
-              <a:t>錢包讓用戶擁有自己的私鑰進行數位簽章，用於支付或轉帳</a:t>
+              <a:t>錢包</a:t>
+            </a:r>
+            <a:r>
+              <a:rPr lang="zh-TW" altLang="en-US" sz="2400"/>
+              <a:t>讓用戶使用自己</a:t>
+            </a:r>
+            <a:r>
+              <a:rPr lang="zh-TW" altLang="en-US" sz="2400" dirty="0"/>
+              <a:t>的私鑰進行數位簽章，用於支付或轉帳</a:t>
             </a:r>
             <a:endParaRPr lang="en-US" altLang="zh-TW" sz="2400" dirty="0"/>
           </a:p>
@@ -18586,13 +18594,13 @@
         </p:nvSpPr>
         <p:spPr>
           <a:xfrm>
-            <a:off x="1103312" y="1323976"/>
-            <a:ext cx="10440988" cy="4924424"/>
+            <a:off x="1103312" y="1323975"/>
+            <a:ext cx="10440988" cy="5534025"/>
           </a:xfrm>
         </p:spPr>
         <p:txBody>
           <a:bodyPr>
-            <a:normAutofit lnSpcReduction="10000"/>
+            <a:normAutofit/>
           </a:bodyPr>
           <a:lstStyle/>
           <a:p>
@@ -18728,59 +18736,93 @@
           <a:p>
             <a:r>
               <a:rPr lang="zh-TW" altLang="en-US" dirty="0"/>
-              <a:t>安裝</a:t>
+              <a:t>安裝 </a:t>
             </a:r>
             <a:r>
               <a:rPr lang="en-US" altLang="zh-TW" dirty="0"/>
               <a:t>Web3.js</a:t>
             </a:r>
-            <a:r>
-              <a:rPr lang="zh-TW" altLang="en-US" dirty="0"/>
-              <a:t>、</a:t>
-            </a:r>
-            <a:r>
+          </a:p>
+          <a:p>
+            <a:pPr lvl="1"/>
+            <a:r>
+              <a:rPr lang="en-US" altLang="zh-TW" sz="2000" dirty="0"/>
+              <a:t>$</a:t>
+            </a:r>
+            <a:r>
+              <a:rPr lang="en-US" altLang="zh-TW" sz="2000" dirty="0" err="1"/>
+              <a:t>MyToken</a:t>
+            </a:r>
+            <a:r>
+              <a:rPr lang="en-US" altLang="zh-TW" sz="2000" dirty="0"/>
+              <a:t> &gt; </a:t>
+            </a:r>
+            <a:r>
+              <a:rPr lang="en-US" altLang="zh-TW" sz="2000" dirty="0" err="1"/>
+              <a:t>npm</a:t>
+            </a:r>
+            <a:r>
+              <a:rPr lang="en-US" altLang="zh-TW" sz="2000" dirty="0"/>
+              <a:t> install web3</a:t>
+            </a:r>
+            <a:br>
+              <a:rPr lang="en-US" altLang="zh-TW" sz="2000" dirty="0"/>
+            </a:br>
+            <a:r>
+              <a:rPr lang="zh-TW" altLang="en-US" sz="2000" dirty="0"/>
+              <a:t>或引用 </a:t>
+            </a:r>
+            <a:r>
+              <a:rPr lang="en-US" altLang="zh-TW" sz="2000" dirty="0" err="1"/>
+              <a:t>js</a:t>
+            </a:r>
+            <a:r>
+              <a:rPr lang="en-US" altLang="zh-TW" sz="2000" dirty="0"/>
+              <a:t> </a:t>
+            </a:r>
+            <a:r>
+              <a:rPr lang="zh-TW" altLang="en-US" sz="2000" dirty="0"/>
+              <a:t>庫</a:t>
+            </a:r>
+            <a:br>
               <a:rPr lang="en-US" altLang="zh-TW" dirty="0"/>
-              <a:t>lite-server</a:t>
-            </a:r>
-          </a:p>
-          <a:p>
-            <a:pPr lvl="1"/>
+            </a:br>
+            <a:r>
+              <a:rPr lang="en-US" altLang="zh-TW" dirty="0"/>
+              <a:t>&lt;script </a:t>
+            </a:r>
             <a:r>
               <a:rPr lang="en-US" altLang="zh-TW" dirty="0" err="1"/>
-              <a:t>MyToken</a:t>
+              <a:t>src</a:t>
             </a:r>
             <a:r>
               <a:rPr lang="en-US" altLang="zh-TW" dirty="0"/>
-              <a:t> \client &gt; </a:t>
+              <a:t>="https://cdn.jsdelivr.net/</a:t>
             </a:r>
             <a:r>
               <a:rPr lang="en-US" altLang="zh-TW" dirty="0" err="1"/>
-              <a:t>npm</a:t>
+              <a:t>gh</a:t>
             </a:r>
             <a:r>
               <a:rPr lang="en-US" altLang="zh-TW" dirty="0"/>
-              <a:t> install web3</a:t>
-            </a:r>
-          </a:p>
-          <a:p>
-            <a:pPr lvl="1"/>
+              <a:t>/</a:t>
+            </a:r>
             <a:r>
               <a:rPr lang="en-US" altLang="zh-TW" dirty="0" err="1"/>
-              <a:t>MyToken</a:t>
+              <a:t>ethereum</a:t>
             </a:r>
             <a:r>
               <a:rPr lang="en-US" altLang="zh-TW" dirty="0"/>
-              <a:t> \client &gt; </a:t>
+              <a:t>/web3.js/</a:t>
             </a:r>
             <a:r>
               <a:rPr lang="en-US" altLang="zh-TW" dirty="0" err="1"/>
-              <a:t>npm</a:t>
+              <a:t>dist</a:t>
             </a:r>
             <a:r>
               <a:rPr lang="en-US" altLang="zh-TW" dirty="0"/>
-              <a:t> install lite-server --save-dev</a:t>
-            </a:r>
-            <a:endParaRPr lang="zh-TW" altLang="en-US" dirty="0"/>
+              <a:t>/web3.min.js"&gt;&lt;/script&gt;</a:t>
+            </a:r>
           </a:p>
         </p:txBody>
       </p:sp>
@@ -18884,14 +18926,47 @@
           <a:lstStyle/>
           <a:p>
             <a:r>
-              <a:rPr lang="zh-TW" altLang="en-US" dirty="0"/>
+              <a:rPr lang="zh-TW" altLang="en-US" sz="2400" dirty="0"/>
+              <a:t>安裝 </a:t>
+            </a:r>
+            <a:r>
+              <a:rPr lang="en-US" altLang="zh-TW" sz="2400" dirty="0"/>
+              <a:t>lite-server</a:t>
+            </a:r>
+          </a:p>
+          <a:p>
+            <a:pPr lvl="1"/>
+            <a:r>
+              <a:rPr lang="en-US" altLang="zh-TW" dirty="0"/>
+              <a:t>$</a:t>
+            </a:r>
+            <a:r>
+              <a:rPr lang="en-US" altLang="zh-TW" dirty="0" err="1"/>
+              <a:t>MyToken</a:t>
+            </a:r>
+            <a:r>
+              <a:rPr lang="en-US" altLang="zh-TW" dirty="0"/>
+              <a:t> \client &gt; </a:t>
+            </a:r>
+            <a:r>
+              <a:rPr lang="en-US" altLang="zh-TW" dirty="0" err="1"/>
+              <a:t>npm</a:t>
+            </a:r>
+            <a:r>
+              <a:rPr lang="en-US" altLang="zh-TW" dirty="0"/>
+              <a:t> install lite-server --save-dev</a:t>
+            </a:r>
+          </a:p>
+          <a:p>
+            <a:r>
+              <a:rPr lang="zh-TW" altLang="en-US" sz="2400" dirty="0"/>
               <a:t>修改</a:t>
             </a:r>
             <a:r>
-              <a:rPr lang="en-US" altLang="zh-TW" dirty="0" err="1"/>
+              <a:rPr lang="en-US" altLang="zh-TW" sz="2400" dirty="0" err="1"/>
               <a:t>package.json</a:t>
             </a:r>
-            <a:endParaRPr lang="en-US" altLang="zh-TW" dirty="0"/>
+            <a:endParaRPr lang="en-US" altLang="zh-TW" sz="2400" dirty="0"/>
           </a:p>
           <a:p>
             <a:pPr marL="0" indent="0">
@@ -18916,16 +18991,16 @@
               <a:buNone/>
             </a:pPr>
             <a:r>
+              <a:rPr lang="zh-TW" altLang="en-US"/>
+              <a:t>    </a:t>
+            </a:r>
+            <a:r>
+              <a:rPr lang="en-US" altLang="zh-TW"/>
+              <a:t>"</a:t>
+            </a:r>
+            <a:r>
               <a:rPr lang="en-US" altLang="zh-TW" dirty="0"/>
-              <a:t>    "start": "lite-server"</a:t>
-            </a:r>
-            <a:r>
-              <a:rPr lang="zh-TW" altLang="en-US" dirty="0"/>
-              <a:t>或 </a:t>
-            </a:r>
-            <a:r>
-              <a:rPr lang="en-US" altLang="zh-TW" dirty="0"/>
-              <a:t>"dev": "lite-server"</a:t>
+              <a:t>dev": "lite-server"</a:t>
             </a:r>
           </a:p>
           <a:p>
@@ -18939,22 +19014,22 @@
           </a:p>
           <a:p>
             <a:r>
-              <a:rPr lang="zh-TW" altLang="en-US" dirty="0"/>
+              <a:rPr lang="zh-TW" altLang="en-US" sz="2400" dirty="0"/>
               <a:t>新增</a:t>
             </a:r>
             <a:r>
-              <a:rPr lang="en-US" altLang="zh-TW" dirty="0"/>
+              <a:rPr lang="en-US" altLang="zh-TW" sz="2400" dirty="0"/>
               <a:t>bs-</a:t>
             </a:r>
             <a:r>
-              <a:rPr lang="en-US" altLang="zh-TW" dirty="0" err="1"/>
+              <a:rPr lang="en-US" altLang="zh-TW" sz="2400" dirty="0" err="1"/>
               <a:t>config.json</a:t>
             </a:r>
-            <a:endParaRPr lang="en-US" altLang="zh-TW" dirty="0"/>
-          </a:p>
-          <a:p>
-            <a:r>
-              <a:rPr lang="en-US" altLang="zh-TW" dirty="0"/>
+            <a:endParaRPr lang="en-US" altLang="zh-TW" sz="2400" dirty="0"/>
+          </a:p>
+          <a:p>
+            <a:r>
+              <a:rPr lang="en-US" altLang="zh-TW" sz="2400" dirty="0"/>
               <a:t>Run the app</a:t>
             </a:r>
           </a:p>
@@ -19961,15 +20036,7 @@
             </a:r>
             <a:r>
               <a:rPr lang="en-US" altLang="zh-TW" sz="2400" dirty="0"/>
-              <a:t>(</a:t>
-            </a:r>
-            <a:r>
-              <a:rPr lang="en-US" altLang="zh-TW" sz="2400" dirty="0" err="1"/>
-              <a:t>byecode</a:t>
-            </a:r>
-            <a:r>
-              <a:rPr lang="en-US" altLang="zh-TW" sz="2400" dirty="0"/>
-              <a:t>)</a:t>
+              <a:t>(bytecode)</a:t>
             </a:r>
             <a:r>
               <a:rPr lang="zh-TW" altLang="en-US" sz="2400" dirty="0"/>
